--- a/PPT/chapter1.pptx
+++ b/PPT/chapter1.pptx
@@ -157,141 +157,209 @@
 <file path=ppt/changesInfos/changesInfo1.xml><?xml version="1.0" encoding="utf-8"?>
 <pc:chgInfo xmlns:a="http://schemas.openxmlformats.org/drawingml/2006/main" xmlns:r="http://schemas.openxmlformats.org/officeDocument/2006/relationships" xmlns:ac="http://schemas.microsoft.com/office/drawing/2013/main/command" xmlns:pc="http://schemas.microsoft.com/office/powerpoint/2013/main/command">
   <pc:docChgLst>
-    <pc:chgData name="Scruel Tao" userId="5ea5c98d59b44d4b" providerId="LiveId" clId="{8EAED540-8A80-49F0-B104-556597C30F3B}"/>
-    <pc:docChg chg="custSel addSld modSld sldOrd">
-      <pc:chgData name="Scruel Tao" userId="5ea5c98d59b44d4b" providerId="LiveId" clId="{8EAED540-8A80-49F0-B104-556597C30F3B}" dt="2024-01-05T11:53:30.774" v="477" actId="962"/>
+    <pc:chgData name="Scruel Tao" userId="5ea5c98d59b44d4b" providerId="LiveId" clId="{F2F99C1F-7DFD-4850-835A-88AC504601BD}"/>
+    <pc:docChg chg="undo custSel delSld modSld">
+      <pc:chgData name="Scruel Tao" userId="5ea5c98d59b44d4b" providerId="LiveId" clId="{F2F99C1F-7DFD-4850-835A-88AC504601BD}" dt="2023-12-03T14:24:02.020" v="2438"/>
       <pc:docMkLst>
         <pc:docMk/>
       </pc:docMkLst>
-      <pc:sldChg chg="modSp">
-        <pc:chgData name="Scruel Tao" userId="5ea5c98d59b44d4b" providerId="LiveId" clId="{8EAED540-8A80-49F0-B104-556597C30F3B}" dt="2024-01-05T11:53:30.774" v="477" actId="962"/>
+      <pc:sldChg chg="modNotesTx">
+        <pc:chgData name="Scruel Tao" userId="5ea5c98d59b44d4b" providerId="LiveId" clId="{F2F99C1F-7DFD-4850-835A-88AC504601BD}" dt="2023-08-12T11:05:57.445" v="29" actId="20577"/>
         <pc:sldMkLst>
           <pc:docMk/>
-          <pc:sldMk cId="1112998187" sldId="257"/>
+          <pc:sldMk cId="1199684676" sldId="259"/>
         </pc:sldMkLst>
-        <pc:spChg chg="mod">
-          <ac:chgData name="Scruel Tao" userId="5ea5c98d59b44d4b" providerId="LiveId" clId="{8EAED540-8A80-49F0-B104-556597C30F3B}" dt="2024-01-05T11:53:30.774" v="477" actId="962"/>
-          <ac:spMkLst>
-            <pc:docMk/>
-            <pc:sldMk cId="1112998187" sldId="257"/>
-            <ac:spMk id="2" creationId="{1422DFF6-0952-1023-64E3-97184D36BE3F}"/>
-          </ac:spMkLst>
-        </pc:spChg>
       </pc:sldChg>
-      <pc:sldChg chg="modSp mod">
-        <pc:chgData name="Scruel Tao" userId="5ea5c98d59b44d4b" providerId="LiveId" clId="{8EAED540-8A80-49F0-B104-556597C30F3B}" dt="2024-01-05T11:51:49.660" v="475" actId="13244"/>
-        <pc:sldMkLst>
-          <pc:docMk/>
-          <pc:sldMk cId="3636494425" sldId="258"/>
-        </pc:sldMkLst>
-        <pc:spChg chg="mod">
-          <ac:chgData name="Scruel Tao" userId="5ea5c98d59b44d4b" providerId="LiveId" clId="{8EAED540-8A80-49F0-B104-556597C30F3B}" dt="2024-01-05T11:50:04.844" v="472" actId="962"/>
-          <ac:spMkLst>
-            <pc:docMk/>
-            <pc:sldMk cId="3636494425" sldId="258"/>
-            <ac:spMk id="2" creationId="{ABA783DF-49A6-7EF1-661E-C574E2C2F386}"/>
-          </ac:spMkLst>
-        </pc:spChg>
-        <pc:spChg chg="ord">
-          <ac:chgData name="Scruel Tao" userId="5ea5c98d59b44d4b" providerId="LiveId" clId="{8EAED540-8A80-49F0-B104-556597C30F3B}" dt="2024-01-05T11:51:49.660" v="475" actId="13244"/>
-          <ac:spMkLst>
-            <pc:docMk/>
-            <pc:sldMk cId="3636494425" sldId="258"/>
-            <ac:spMk id="66" creationId="{983A5980-DFF1-C5D2-408C-E0485B57A0C0}"/>
-          </ac:spMkLst>
-        </pc:spChg>
-      </pc:sldChg>
-      <pc:sldChg chg="modSp">
-        <pc:chgData name="Scruel Tao" userId="5ea5c98d59b44d4b" providerId="LiveId" clId="{8EAED540-8A80-49F0-B104-556597C30F3B}" dt="2024-01-05T11:48:09.045" v="468" actId="962"/>
-        <pc:sldMkLst>
-          <pc:docMk/>
-          <pc:sldMk cId="0" sldId="260"/>
-        </pc:sldMkLst>
-        <pc:picChg chg="mod">
-          <ac:chgData name="Scruel Tao" userId="5ea5c98d59b44d4b" providerId="LiveId" clId="{8EAED540-8A80-49F0-B104-556597C30F3B}" dt="2024-01-05T11:48:09.045" v="468" actId="962"/>
-          <ac:picMkLst>
-            <pc:docMk/>
-            <pc:sldMk cId="0" sldId="260"/>
-            <ac:picMk id="11" creationId="{4C6E84E5-1708-27F1-0BCD-1C6D65C46764}"/>
-          </ac:picMkLst>
-        </pc:picChg>
-      </pc:sldChg>
-      <pc:sldChg chg="modSp mod modNotesTx">
-        <pc:chgData name="Scruel Tao" userId="5ea5c98d59b44d4b" providerId="LiveId" clId="{8EAED540-8A80-49F0-B104-556597C30F3B}" dt="2023-09-14T04:58:31.685" v="466" actId="20577"/>
+      <pc:sldChg chg="modSp modNotesTx">
+        <pc:chgData name="Scruel Tao" userId="5ea5c98d59b44d4b" providerId="LiveId" clId="{F2F99C1F-7DFD-4850-835A-88AC504601BD}" dt="2023-08-13T16:16:36.089" v="1194" actId="207"/>
         <pc:sldMkLst>
           <pc:docMk/>
           <pc:sldMk cId="3351160539" sldId="261"/>
         </pc:sldMkLst>
         <pc:spChg chg="mod">
-          <ac:chgData name="Scruel Tao" userId="5ea5c98d59b44d4b" providerId="LiveId" clId="{8EAED540-8A80-49F0-B104-556597C30F3B}" dt="2023-09-14T04:56:18.429" v="142" actId="14100"/>
+          <ac:chgData name="Scruel Tao" userId="5ea5c98d59b44d4b" providerId="LiveId" clId="{F2F99C1F-7DFD-4850-835A-88AC504601BD}" dt="2023-08-13T16:16:36.089" v="1194" actId="207"/>
           <ac:spMkLst>
             <pc:docMk/>
             <pc:sldMk cId="3351160539" sldId="261"/>
-            <ac:spMk id="14" creationId="{670E3534-8F35-5B26-8418-171E013CEE09}"/>
-          </ac:spMkLst>
-        </pc:spChg>
+            <ac:spMk id="5" creationId="{334FF01F-2A65-44F6-34F9-69AC934A31D7}"/>
+          </ac:spMkLst>
+        </pc:spChg>
+      </pc:sldChg>
+      <pc:sldChg chg="modNotesTx">
+        <pc:chgData name="Scruel Tao" userId="5ea5c98d59b44d4b" providerId="LiveId" clId="{F2F99C1F-7DFD-4850-835A-88AC504601BD}" dt="2023-08-12T11:19:53.003" v="808" actId="20577"/>
+        <pc:sldMkLst>
+          <pc:docMk/>
+          <pc:sldMk cId="1122177192" sldId="262"/>
+        </pc:sldMkLst>
+      </pc:sldChg>
+      <pc:sldChg chg="modSp modNotesTx">
+        <pc:chgData name="Scruel Tao" userId="5ea5c98d59b44d4b" providerId="LiveId" clId="{F2F99C1F-7DFD-4850-835A-88AC504601BD}" dt="2023-12-02T09:47:19.048" v="1956" actId="20577"/>
+        <pc:sldMkLst>
+          <pc:docMk/>
+          <pc:sldMk cId="3725727672" sldId="264"/>
+        </pc:sldMkLst>
+        <pc:spChg chg="mod">
+          <ac:chgData name="Scruel Tao" userId="5ea5c98d59b44d4b" providerId="LiveId" clId="{F2F99C1F-7DFD-4850-835A-88AC504601BD}" dt="2023-08-12T11:18:10.330" v="732" actId="20577"/>
+          <ac:spMkLst>
+            <pc:docMk/>
+            <pc:sldMk cId="3725727672" sldId="264"/>
+            <ac:spMk id="15" creationId="{57CD949C-3C60-4F11-3188-DAAC2954E147}"/>
+          </ac:spMkLst>
+        </pc:spChg>
+      </pc:sldChg>
+      <pc:sldChg chg="modNotesTx">
+        <pc:chgData name="Scruel Tao" userId="5ea5c98d59b44d4b" providerId="LiveId" clId="{F2F99C1F-7DFD-4850-835A-88AC504601BD}" dt="2023-12-02T09:43:14.732" v="1803" actId="20577"/>
+        <pc:sldMkLst>
+          <pc:docMk/>
+          <pc:sldMk cId="192831406" sldId="270"/>
+        </pc:sldMkLst>
+      </pc:sldChg>
+      <pc:sldChg chg="addSp modSp mod modAnim modNotesTx">
+        <pc:chgData name="Scruel Tao" userId="5ea5c98d59b44d4b" providerId="LiveId" clId="{F2F99C1F-7DFD-4850-835A-88AC504601BD}" dt="2023-12-02T09:54:44.877" v="1972"/>
+        <pc:sldMkLst>
+          <pc:docMk/>
+          <pc:sldMk cId="555885545" sldId="271"/>
+        </pc:sldMkLst>
+        <pc:spChg chg="add mod">
+          <ac:chgData name="Scruel Tao" userId="5ea5c98d59b44d4b" providerId="LiveId" clId="{F2F99C1F-7DFD-4850-835A-88AC504601BD}" dt="2023-12-02T09:54:20.153" v="1970" actId="1076"/>
+          <ac:spMkLst>
+            <pc:docMk/>
+            <pc:sldMk cId="555885545" sldId="271"/>
+            <ac:spMk id="4" creationId="{164C637D-E8E2-D8F7-F848-8C0CABBFE0F5}"/>
+          </ac:spMkLst>
+        </pc:spChg>
+        <pc:picChg chg="mod">
+          <ac:chgData name="Scruel Tao" userId="5ea5c98d59b44d4b" providerId="LiveId" clId="{F2F99C1F-7DFD-4850-835A-88AC504601BD}" dt="2023-12-02T09:54:12.832" v="1968" actId="1076"/>
+          <ac:picMkLst>
+            <pc:docMk/>
+            <pc:sldMk cId="555885545" sldId="271"/>
+            <ac:picMk id="13" creationId="{E02580EA-DC05-D002-FEB4-DD7CC58CFB9E}"/>
+          </ac:picMkLst>
+        </pc:picChg>
+      </pc:sldChg>
+      <pc:sldChg chg="modSp mod modAnim">
+        <pc:chgData name="Scruel Tao" userId="5ea5c98d59b44d4b" providerId="LiveId" clId="{F2F99C1F-7DFD-4850-835A-88AC504601BD}" dt="2023-12-02T10:08:11.112" v="2434" actId="1076"/>
+        <pc:sldMkLst>
+          <pc:docMk/>
+          <pc:sldMk cId="1518949093" sldId="272"/>
+        </pc:sldMkLst>
+        <pc:spChg chg="mod">
+          <ac:chgData name="Scruel Tao" userId="5ea5c98d59b44d4b" providerId="LiveId" clId="{F2F99C1F-7DFD-4850-835A-88AC504601BD}" dt="2023-12-02T10:08:07.021" v="2433" actId="20577"/>
+          <ac:spMkLst>
+            <pc:docMk/>
+            <pc:sldMk cId="1518949093" sldId="272"/>
+            <ac:spMk id="3" creationId="{939F03AE-10F4-D882-D99A-D5393469A114}"/>
+          </ac:spMkLst>
+        </pc:spChg>
+        <pc:spChg chg="mod">
+          <ac:chgData name="Scruel Tao" userId="5ea5c98d59b44d4b" providerId="LiveId" clId="{F2F99C1F-7DFD-4850-835A-88AC504601BD}" dt="2023-12-02T10:08:11.112" v="2434" actId="1076"/>
+          <ac:spMkLst>
+            <pc:docMk/>
+            <pc:sldMk cId="1518949093" sldId="272"/>
+            <ac:spMk id="4" creationId="{7F9F47DD-E49D-A929-FBF6-0571BAC29FB6}"/>
+          </ac:spMkLst>
+        </pc:spChg>
+      </pc:sldChg>
+      <pc:sldChg chg="modNotesTx">
+        <pc:chgData name="Scruel Tao" userId="5ea5c98d59b44d4b" providerId="LiveId" clId="{F2F99C1F-7DFD-4850-835A-88AC504601BD}" dt="2023-12-02T10:00:52.377" v="2402" actId="20577"/>
+        <pc:sldMkLst>
+          <pc:docMk/>
+          <pc:sldMk cId="1525970791" sldId="275"/>
+        </pc:sldMkLst>
+      </pc:sldChg>
+      <pc:sldChg chg="modNotesTx">
+        <pc:chgData name="Scruel Tao" userId="5ea5c98d59b44d4b" providerId="LiveId" clId="{F2F99C1F-7DFD-4850-835A-88AC504601BD}" dt="2023-08-12T11:24:59.267" v="1191" actId="20577"/>
+        <pc:sldMkLst>
+          <pc:docMk/>
+          <pc:sldMk cId="1751565490" sldId="276"/>
+        </pc:sldMkLst>
       </pc:sldChg>
       <pc:sldChg chg="modSp mod">
-        <pc:chgData name="Scruel Tao" userId="5ea5c98d59b44d4b" providerId="LiveId" clId="{8EAED540-8A80-49F0-B104-556597C30F3B}" dt="2023-08-15T03:05:48.078" v="0" actId="2711"/>
+        <pc:chgData name="Scruel Tao" userId="5ea5c98d59b44d4b" providerId="LiveId" clId="{F2F99C1F-7DFD-4850-835A-88AC504601BD}" dt="2023-12-02T09:44:34.348" v="1804" actId="20578"/>
         <pc:sldMkLst>
           <pc:docMk/>
-          <pc:sldMk cId="3625446739" sldId="366"/>
+          <pc:sldMk cId="1355169620" sldId="283"/>
         </pc:sldMkLst>
         <pc:spChg chg="mod">
-          <ac:chgData name="Scruel Tao" userId="5ea5c98d59b44d4b" providerId="LiveId" clId="{8EAED540-8A80-49F0-B104-556597C30F3B}" dt="2023-08-15T03:05:48.078" v="0" actId="2711"/>
-          <ac:spMkLst>
-            <pc:docMk/>
-            <pc:sldMk cId="3625446739" sldId="366"/>
-            <ac:spMk id="5" creationId="{14B5F31E-85DD-B8D9-9ED7-E32A03C57260}"/>
+          <ac:chgData name="Scruel Tao" userId="5ea5c98d59b44d4b" providerId="LiveId" clId="{F2F99C1F-7DFD-4850-835A-88AC504601BD}" dt="2023-12-02T09:44:34.348" v="1804" actId="20578"/>
+          <ac:spMkLst>
+            <pc:docMk/>
+            <pc:sldMk cId="1355169620" sldId="283"/>
+            <ac:spMk id="5" creationId="{334FF01F-2A65-44F6-34F9-69AC934A31D7}"/>
           </ac:spMkLst>
         </pc:spChg>
       </pc:sldChg>
-      <pc:sldChg chg="addSp delSp modSp add mod ord delAnim">
-        <pc:chgData name="Scruel Tao" userId="5ea5c98d59b44d4b" providerId="LiveId" clId="{8EAED540-8A80-49F0-B104-556597C30F3B}" dt="2023-09-14T04:56:08.212" v="139" actId="21"/>
+      <pc:sldChg chg="modNotesTx">
+        <pc:chgData name="Scruel Tao" userId="5ea5c98d59b44d4b" providerId="LiveId" clId="{F2F99C1F-7DFD-4850-835A-88AC504601BD}" dt="2023-08-13T17:27:47.120" v="1554" actId="20577"/>
+        <pc:sldMkLst>
+          <pc:docMk/>
+          <pc:sldMk cId="4038958788" sldId="285"/>
+        </pc:sldMkLst>
+      </pc:sldChg>
+      <pc:sldChg chg="modNotesTx">
+        <pc:chgData name="Scruel Tao" userId="5ea5c98d59b44d4b" providerId="LiveId" clId="{F2F99C1F-7DFD-4850-835A-88AC504601BD}" dt="2023-08-12T11:21:11.175" v="965" actId="20577"/>
+        <pc:sldMkLst>
+          <pc:docMk/>
+          <pc:sldMk cId="1263324175" sldId="367"/>
+        </pc:sldMkLst>
+      </pc:sldChg>
+      <pc:sldChg chg="modSp mod modNotesTx">
+        <pc:chgData name="Scruel Tao" userId="5ea5c98d59b44d4b" providerId="LiveId" clId="{F2F99C1F-7DFD-4850-835A-88AC504601BD}" dt="2023-08-12T11:23:35.249" v="1128" actId="20577"/>
+        <pc:sldMkLst>
+          <pc:docMk/>
+          <pc:sldMk cId="1718870275" sldId="369"/>
+        </pc:sldMkLst>
+        <pc:spChg chg="mod">
+          <ac:chgData name="Scruel Tao" userId="5ea5c98d59b44d4b" providerId="LiveId" clId="{F2F99C1F-7DFD-4850-835A-88AC504601BD}" dt="2023-08-12T11:23:35.249" v="1128" actId="20577"/>
+          <ac:spMkLst>
+            <pc:docMk/>
+            <pc:sldMk cId="1718870275" sldId="369"/>
+            <ac:spMk id="5" creationId="{334FF01F-2A65-44F6-34F9-69AC934A31D7}"/>
+          </ac:spMkLst>
+        </pc:spChg>
+      </pc:sldChg>
+      <pc:sldChg chg="modTransition modNotesTx">
+        <pc:chgData name="Scruel Tao" userId="5ea5c98d59b44d4b" providerId="LiveId" clId="{F2F99C1F-7DFD-4850-835A-88AC504601BD}" dt="2023-12-03T14:23:50.477" v="2435"/>
+        <pc:sldMkLst>
+          <pc:docMk/>
+          <pc:sldMk cId="2826834387" sldId="371"/>
+        </pc:sldMkLst>
+      </pc:sldChg>
+      <pc:sldChg chg="modSp mod modTransition">
+        <pc:chgData name="Scruel Tao" userId="5ea5c98d59b44d4b" providerId="LiveId" clId="{F2F99C1F-7DFD-4850-835A-88AC504601BD}" dt="2023-12-03T14:23:53.462" v="2436"/>
+        <pc:sldMkLst>
+          <pc:docMk/>
+          <pc:sldMk cId="883490720" sldId="372"/>
+        </pc:sldMkLst>
+        <pc:spChg chg="mod">
+          <ac:chgData name="Scruel Tao" userId="5ea5c98d59b44d4b" providerId="LiveId" clId="{F2F99C1F-7DFD-4850-835A-88AC504601BD}" dt="2023-08-12T11:23:40.018" v="1129" actId="20577"/>
+          <ac:spMkLst>
+            <pc:docMk/>
+            <pc:sldMk cId="883490720" sldId="372"/>
+            <ac:spMk id="5" creationId="{334FF01F-2A65-44F6-34F9-69AC934A31D7}"/>
+          </ac:spMkLst>
+        </pc:spChg>
+      </pc:sldChg>
+      <pc:sldChg chg="modTransition modNotesTx">
+        <pc:chgData name="Scruel Tao" userId="5ea5c98d59b44d4b" providerId="LiveId" clId="{F2F99C1F-7DFD-4850-835A-88AC504601BD}" dt="2023-12-03T14:24:00.175" v="2437"/>
+        <pc:sldMkLst>
+          <pc:docMk/>
+          <pc:sldMk cId="1540976929" sldId="374"/>
+        </pc:sldMkLst>
+      </pc:sldChg>
+      <pc:sldChg chg="modTransition">
+        <pc:chgData name="Scruel Tao" userId="5ea5c98d59b44d4b" providerId="LiveId" clId="{F2F99C1F-7DFD-4850-835A-88AC504601BD}" dt="2023-12-03T14:24:02.020" v="2438"/>
+        <pc:sldMkLst>
+          <pc:docMk/>
+          <pc:sldMk cId="2094629854" sldId="376"/>
+        </pc:sldMkLst>
+      </pc:sldChg>
+      <pc:sldChg chg="del">
+        <pc:chgData name="Scruel Tao" userId="5ea5c98d59b44d4b" providerId="LiveId" clId="{F2F99C1F-7DFD-4850-835A-88AC504601BD}" dt="2023-12-02T09:52:27.797" v="1957" actId="47"/>
         <pc:sldMkLst>
           <pc:docMk/>
           <pc:sldMk cId="1292145" sldId="377"/>
         </pc:sldMkLst>
-        <pc:spChg chg="mod">
-          <ac:chgData name="Scruel Tao" userId="5ea5c98d59b44d4b" providerId="LiveId" clId="{8EAED540-8A80-49F0-B104-556597C30F3B}" dt="2023-09-14T04:56:02.390" v="136" actId="20577"/>
-          <ac:spMkLst>
-            <pc:docMk/>
-            <pc:sldMk cId="1292145" sldId="377"/>
-            <ac:spMk id="2" creationId="{ABA783DF-49A6-7EF1-661E-C574E2C2F386}"/>
-          </ac:spMkLst>
-        </pc:spChg>
-        <pc:spChg chg="add mod">
-          <ac:chgData name="Scruel Tao" userId="5ea5c98d59b44d4b" providerId="LiveId" clId="{8EAED540-8A80-49F0-B104-556597C30F3B}" dt="2023-09-14T04:56:05.028" v="138" actId="21"/>
-          <ac:spMkLst>
-            <pc:docMk/>
-            <pc:sldMk cId="1292145" sldId="377"/>
-            <ac:spMk id="4" creationId="{C963C569-0B0D-5422-217B-9C9D6339CD49}"/>
-          </ac:spMkLst>
-        </pc:spChg>
-        <pc:spChg chg="mod">
-          <ac:chgData name="Scruel Tao" userId="5ea5c98d59b44d4b" providerId="LiveId" clId="{8EAED540-8A80-49F0-B104-556597C30F3B}" dt="2023-09-14T04:56:03.953" v="137" actId="21"/>
-          <ac:spMkLst>
-            <pc:docMk/>
-            <pc:sldMk cId="1292145" sldId="377"/>
-            <ac:spMk id="5" creationId="{334FF01F-2A65-44F6-34F9-69AC934A31D7}"/>
-          </ac:spMkLst>
-        </pc:spChg>
-        <pc:spChg chg="del">
-          <ac:chgData name="Scruel Tao" userId="5ea5c98d59b44d4b" providerId="LiveId" clId="{8EAED540-8A80-49F0-B104-556597C30F3B}" dt="2023-09-14T04:56:08.212" v="139" actId="21"/>
-          <ac:spMkLst>
-            <pc:docMk/>
-            <pc:sldMk cId="1292145" sldId="377"/>
-            <ac:spMk id="14" creationId="{670E3534-8F35-5B26-8418-171E013CEE09}"/>
-          </ac:spMkLst>
-        </pc:spChg>
-        <pc:picChg chg="del">
-          <ac:chgData name="Scruel Tao" userId="5ea5c98d59b44d4b" providerId="LiveId" clId="{8EAED540-8A80-49F0-B104-556597C30F3B}" dt="2023-09-14T04:56:05.028" v="138" actId="21"/>
-          <ac:picMkLst>
-            <pc:docMk/>
-            <pc:sldMk cId="1292145" sldId="377"/>
-            <ac:picMk id="13" creationId="{7C633EC2-82A6-5F6A-D9A3-326C1E77FDA3}"/>
-          </ac:picMkLst>
-        </pc:picChg>
       </pc:sldChg>
     </pc:docChg>
   </pc:docChgLst>
@@ -1395,6 +1463,145 @@
           </pc:picChg>
         </pc:sldLayoutChg>
       </pc:sldMasterChg>
+    </pc:docChg>
+  </pc:docChgLst>
+  <pc:docChgLst>
+    <pc:chgData name="Scruel Tao" userId="5ea5c98d59b44d4b" providerId="LiveId" clId="{8EAED540-8A80-49F0-B104-556597C30F3B}"/>
+    <pc:docChg chg="custSel addSld modSld sldOrd">
+      <pc:chgData name="Scruel Tao" userId="5ea5c98d59b44d4b" providerId="LiveId" clId="{8EAED540-8A80-49F0-B104-556597C30F3B}" dt="2024-01-05T11:53:30.774" v="477" actId="962"/>
+      <pc:docMkLst>
+        <pc:docMk/>
+      </pc:docMkLst>
+      <pc:sldChg chg="modSp">
+        <pc:chgData name="Scruel Tao" userId="5ea5c98d59b44d4b" providerId="LiveId" clId="{8EAED540-8A80-49F0-B104-556597C30F3B}" dt="2024-01-05T11:53:30.774" v="477" actId="962"/>
+        <pc:sldMkLst>
+          <pc:docMk/>
+          <pc:sldMk cId="1112998187" sldId="257"/>
+        </pc:sldMkLst>
+        <pc:spChg chg="mod">
+          <ac:chgData name="Scruel Tao" userId="5ea5c98d59b44d4b" providerId="LiveId" clId="{8EAED540-8A80-49F0-B104-556597C30F3B}" dt="2024-01-05T11:53:30.774" v="477" actId="962"/>
+          <ac:spMkLst>
+            <pc:docMk/>
+            <pc:sldMk cId="1112998187" sldId="257"/>
+            <ac:spMk id="2" creationId="{1422DFF6-0952-1023-64E3-97184D36BE3F}"/>
+          </ac:spMkLst>
+        </pc:spChg>
+      </pc:sldChg>
+      <pc:sldChg chg="modSp mod">
+        <pc:chgData name="Scruel Tao" userId="5ea5c98d59b44d4b" providerId="LiveId" clId="{8EAED540-8A80-49F0-B104-556597C30F3B}" dt="2024-01-05T11:51:49.660" v="475" actId="13244"/>
+        <pc:sldMkLst>
+          <pc:docMk/>
+          <pc:sldMk cId="3636494425" sldId="258"/>
+        </pc:sldMkLst>
+        <pc:spChg chg="mod">
+          <ac:chgData name="Scruel Tao" userId="5ea5c98d59b44d4b" providerId="LiveId" clId="{8EAED540-8A80-49F0-B104-556597C30F3B}" dt="2024-01-05T11:50:04.844" v="472" actId="962"/>
+          <ac:spMkLst>
+            <pc:docMk/>
+            <pc:sldMk cId="3636494425" sldId="258"/>
+            <ac:spMk id="2" creationId="{ABA783DF-49A6-7EF1-661E-C574E2C2F386}"/>
+          </ac:spMkLst>
+        </pc:spChg>
+        <pc:spChg chg="ord">
+          <ac:chgData name="Scruel Tao" userId="5ea5c98d59b44d4b" providerId="LiveId" clId="{8EAED540-8A80-49F0-B104-556597C30F3B}" dt="2024-01-05T11:51:49.660" v="475" actId="13244"/>
+          <ac:spMkLst>
+            <pc:docMk/>
+            <pc:sldMk cId="3636494425" sldId="258"/>
+            <ac:spMk id="66" creationId="{983A5980-DFF1-C5D2-408C-E0485B57A0C0}"/>
+          </ac:spMkLst>
+        </pc:spChg>
+      </pc:sldChg>
+      <pc:sldChg chg="modSp">
+        <pc:chgData name="Scruel Tao" userId="5ea5c98d59b44d4b" providerId="LiveId" clId="{8EAED540-8A80-49F0-B104-556597C30F3B}" dt="2024-01-05T11:48:09.045" v="468" actId="962"/>
+        <pc:sldMkLst>
+          <pc:docMk/>
+          <pc:sldMk cId="0" sldId="260"/>
+        </pc:sldMkLst>
+        <pc:picChg chg="mod">
+          <ac:chgData name="Scruel Tao" userId="5ea5c98d59b44d4b" providerId="LiveId" clId="{8EAED540-8A80-49F0-B104-556597C30F3B}" dt="2024-01-05T11:48:09.045" v="468" actId="962"/>
+          <ac:picMkLst>
+            <pc:docMk/>
+            <pc:sldMk cId="0" sldId="260"/>
+            <ac:picMk id="11" creationId="{4C6E84E5-1708-27F1-0BCD-1C6D65C46764}"/>
+          </ac:picMkLst>
+        </pc:picChg>
+      </pc:sldChg>
+      <pc:sldChg chg="modSp mod modNotesTx">
+        <pc:chgData name="Scruel Tao" userId="5ea5c98d59b44d4b" providerId="LiveId" clId="{8EAED540-8A80-49F0-B104-556597C30F3B}" dt="2023-09-14T04:58:31.685" v="466" actId="20577"/>
+        <pc:sldMkLst>
+          <pc:docMk/>
+          <pc:sldMk cId="3351160539" sldId="261"/>
+        </pc:sldMkLst>
+        <pc:spChg chg="mod">
+          <ac:chgData name="Scruel Tao" userId="5ea5c98d59b44d4b" providerId="LiveId" clId="{8EAED540-8A80-49F0-B104-556597C30F3B}" dt="2023-09-14T04:56:18.429" v="142" actId="14100"/>
+          <ac:spMkLst>
+            <pc:docMk/>
+            <pc:sldMk cId="3351160539" sldId="261"/>
+            <ac:spMk id="14" creationId="{670E3534-8F35-5B26-8418-171E013CEE09}"/>
+          </ac:spMkLst>
+        </pc:spChg>
+      </pc:sldChg>
+      <pc:sldChg chg="modSp mod">
+        <pc:chgData name="Scruel Tao" userId="5ea5c98d59b44d4b" providerId="LiveId" clId="{8EAED540-8A80-49F0-B104-556597C30F3B}" dt="2023-08-15T03:05:48.078" v="0" actId="2711"/>
+        <pc:sldMkLst>
+          <pc:docMk/>
+          <pc:sldMk cId="3625446739" sldId="366"/>
+        </pc:sldMkLst>
+        <pc:spChg chg="mod">
+          <ac:chgData name="Scruel Tao" userId="5ea5c98d59b44d4b" providerId="LiveId" clId="{8EAED540-8A80-49F0-B104-556597C30F3B}" dt="2023-08-15T03:05:48.078" v="0" actId="2711"/>
+          <ac:spMkLst>
+            <pc:docMk/>
+            <pc:sldMk cId="3625446739" sldId="366"/>
+            <ac:spMk id="5" creationId="{14B5F31E-85DD-B8D9-9ED7-E32A03C57260}"/>
+          </ac:spMkLst>
+        </pc:spChg>
+      </pc:sldChg>
+      <pc:sldChg chg="addSp delSp modSp add mod ord delAnim">
+        <pc:chgData name="Scruel Tao" userId="5ea5c98d59b44d4b" providerId="LiveId" clId="{8EAED540-8A80-49F0-B104-556597C30F3B}" dt="2023-09-14T04:56:08.212" v="139" actId="21"/>
+        <pc:sldMkLst>
+          <pc:docMk/>
+          <pc:sldMk cId="1292145" sldId="377"/>
+        </pc:sldMkLst>
+        <pc:spChg chg="mod">
+          <ac:chgData name="Scruel Tao" userId="5ea5c98d59b44d4b" providerId="LiveId" clId="{8EAED540-8A80-49F0-B104-556597C30F3B}" dt="2023-09-14T04:56:02.390" v="136" actId="20577"/>
+          <ac:spMkLst>
+            <pc:docMk/>
+            <pc:sldMk cId="1292145" sldId="377"/>
+            <ac:spMk id="2" creationId="{ABA783DF-49A6-7EF1-661E-C574E2C2F386}"/>
+          </ac:spMkLst>
+        </pc:spChg>
+        <pc:spChg chg="add mod">
+          <ac:chgData name="Scruel Tao" userId="5ea5c98d59b44d4b" providerId="LiveId" clId="{8EAED540-8A80-49F0-B104-556597C30F3B}" dt="2023-09-14T04:56:05.028" v="138" actId="21"/>
+          <ac:spMkLst>
+            <pc:docMk/>
+            <pc:sldMk cId="1292145" sldId="377"/>
+            <ac:spMk id="4" creationId="{C963C569-0B0D-5422-217B-9C9D6339CD49}"/>
+          </ac:spMkLst>
+        </pc:spChg>
+        <pc:spChg chg="mod">
+          <ac:chgData name="Scruel Tao" userId="5ea5c98d59b44d4b" providerId="LiveId" clId="{8EAED540-8A80-49F0-B104-556597C30F3B}" dt="2023-09-14T04:56:03.953" v="137" actId="21"/>
+          <ac:spMkLst>
+            <pc:docMk/>
+            <pc:sldMk cId="1292145" sldId="377"/>
+            <ac:spMk id="5" creationId="{334FF01F-2A65-44F6-34F9-69AC934A31D7}"/>
+          </ac:spMkLst>
+        </pc:spChg>
+        <pc:spChg chg="del">
+          <ac:chgData name="Scruel Tao" userId="5ea5c98d59b44d4b" providerId="LiveId" clId="{8EAED540-8A80-49F0-B104-556597C30F3B}" dt="2023-09-14T04:56:08.212" v="139" actId="21"/>
+          <ac:spMkLst>
+            <pc:docMk/>
+            <pc:sldMk cId="1292145" sldId="377"/>
+            <ac:spMk id="14" creationId="{670E3534-8F35-5B26-8418-171E013CEE09}"/>
+          </ac:spMkLst>
+        </pc:spChg>
+        <pc:picChg chg="del">
+          <ac:chgData name="Scruel Tao" userId="5ea5c98d59b44d4b" providerId="LiveId" clId="{8EAED540-8A80-49F0-B104-556597C30F3B}" dt="2023-09-14T04:56:05.028" v="138" actId="21"/>
+          <ac:picMkLst>
+            <pc:docMk/>
+            <pc:sldMk cId="1292145" sldId="377"/>
+            <ac:picMk id="13" creationId="{7C633EC2-82A6-5F6A-D9A3-326C1E77FDA3}"/>
+          </ac:picMkLst>
+        </pc:picChg>
+      </pc:sldChg>
     </pc:docChg>
   </pc:docChgLst>
   <pc:docChgLst>
@@ -4767,213 +4974,6 @@
       </pc:sldMasterChg>
     </pc:docChg>
   </pc:docChgLst>
-  <pc:docChgLst>
-    <pc:chgData name="Scruel Tao" userId="5ea5c98d59b44d4b" providerId="LiveId" clId="{F2F99C1F-7DFD-4850-835A-88AC504601BD}"/>
-    <pc:docChg chg="undo custSel delSld modSld">
-      <pc:chgData name="Scruel Tao" userId="5ea5c98d59b44d4b" providerId="LiveId" clId="{F2F99C1F-7DFD-4850-835A-88AC504601BD}" dt="2023-12-03T14:24:02.020" v="2438"/>
-      <pc:docMkLst>
-        <pc:docMk/>
-      </pc:docMkLst>
-      <pc:sldChg chg="modNotesTx">
-        <pc:chgData name="Scruel Tao" userId="5ea5c98d59b44d4b" providerId="LiveId" clId="{F2F99C1F-7DFD-4850-835A-88AC504601BD}" dt="2023-08-12T11:05:57.445" v="29" actId="20577"/>
-        <pc:sldMkLst>
-          <pc:docMk/>
-          <pc:sldMk cId="1199684676" sldId="259"/>
-        </pc:sldMkLst>
-      </pc:sldChg>
-      <pc:sldChg chg="modSp modNotesTx">
-        <pc:chgData name="Scruel Tao" userId="5ea5c98d59b44d4b" providerId="LiveId" clId="{F2F99C1F-7DFD-4850-835A-88AC504601BD}" dt="2023-08-13T16:16:36.089" v="1194" actId="207"/>
-        <pc:sldMkLst>
-          <pc:docMk/>
-          <pc:sldMk cId="3351160539" sldId="261"/>
-        </pc:sldMkLst>
-        <pc:spChg chg="mod">
-          <ac:chgData name="Scruel Tao" userId="5ea5c98d59b44d4b" providerId="LiveId" clId="{F2F99C1F-7DFD-4850-835A-88AC504601BD}" dt="2023-08-13T16:16:36.089" v="1194" actId="207"/>
-          <ac:spMkLst>
-            <pc:docMk/>
-            <pc:sldMk cId="3351160539" sldId="261"/>
-            <ac:spMk id="5" creationId="{334FF01F-2A65-44F6-34F9-69AC934A31D7}"/>
-          </ac:spMkLst>
-        </pc:spChg>
-      </pc:sldChg>
-      <pc:sldChg chg="modNotesTx">
-        <pc:chgData name="Scruel Tao" userId="5ea5c98d59b44d4b" providerId="LiveId" clId="{F2F99C1F-7DFD-4850-835A-88AC504601BD}" dt="2023-08-12T11:19:53.003" v="808" actId="20577"/>
-        <pc:sldMkLst>
-          <pc:docMk/>
-          <pc:sldMk cId="1122177192" sldId="262"/>
-        </pc:sldMkLst>
-      </pc:sldChg>
-      <pc:sldChg chg="modSp modNotesTx">
-        <pc:chgData name="Scruel Tao" userId="5ea5c98d59b44d4b" providerId="LiveId" clId="{F2F99C1F-7DFD-4850-835A-88AC504601BD}" dt="2023-12-02T09:47:19.048" v="1956" actId="20577"/>
-        <pc:sldMkLst>
-          <pc:docMk/>
-          <pc:sldMk cId="3725727672" sldId="264"/>
-        </pc:sldMkLst>
-        <pc:spChg chg="mod">
-          <ac:chgData name="Scruel Tao" userId="5ea5c98d59b44d4b" providerId="LiveId" clId="{F2F99C1F-7DFD-4850-835A-88AC504601BD}" dt="2023-08-12T11:18:10.330" v="732" actId="20577"/>
-          <ac:spMkLst>
-            <pc:docMk/>
-            <pc:sldMk cId="3725727672" sldId="264"/>
-            <ac:spMk id="15" creationId="{57CD949C-3C60-4F11-3188-DAAC2954E147}"/>
-          </ac:spMkLst>
-        </pc:spChg>
-      </pc:sldChg>
-      <pc:sldChg chg="modNotesTx">
-        <pc:chgData name="Scruel Tao" userId="5ea5c98d59b44d4b" providerId="LiveId" clId="{F2F99C1F-7DFD-4850-835A-88AC504601BD}" dt="2023-12-02T09:43:14.732" v="1803" actId="20577"/>
-        <pc:sldMkLst>
-          <pc:docMk/>
-          <pc:sldMk cId="192831406" sldId="270"/>
-        </pc:sldMkLst>
-      </pc:sldChg>
-      <pc:sldChg chg="addSp modSp mod modAnim modNotesTx">
-        <pc:chgData name="Scruel Tao" userId="5ea5c98d59b44d4b" providerId="LiveId" clId="{F2F99C1F-7DFD-4850-835A-88AC504601BD}" dt="2023-12-02T09:54:44.877" v="1972"/>
-        <pc:sldMkLst>
-          <pc:docMk/>
-          <pc:sldMk cId="555885545" sldId="271"/>
-        </pc:sldMkLst>
-        <pc:spChg chg="add mod">
-          <ac:chgData name="Scruel Tao" userId="5ea5c98d59b44d4b" providerId="LiveId" clId="{F2F99C1F-7DFD-4850-835A-88AC504601BD}" dt="2023-12-02T09:54:20.153" v="1970" actId="1076"/>
-          <ac:spMkLst>
-            <pc:docMk/>
-            <pc:sldMk cId="555885545" sldId="271"/>
-            <ac:spMk id="4" creationId="{164C637D-E8E2-D8F7-F848-8C0CABBFE0F5}"/>
-          </ac:spMkLst>
-        </pc:spChg>
-        <pc:picChg chg="mod">
-          <ac:chgData name="Scruel Tao" userId="5ea5c98d59b44d4b" providerId="LiveId" clId="{F2F99C1F-7DFD-4850-835A-88AC504601BD}" dt="2023-12-02T09:54:12.832" v="1968" actId="1076"/>
-          <ac:picMkLst>
-            <pc:docMk/>
-            <pc:sldMk cId="555885545" sldId="271"/>
-            <ac:picMk id="13" creationId="{E02580EA-DC05-D002-FEB4-DD7CC58CFB9E}"/>
-          </ac:picMkLst>
-        </pc:picChg>
-      </pc:sldChg>
-      <pc:sldChg chg="modSp mod modAnim">
-        <pc:chgData name="Scruel Tao" userId="5ea5c98d59b44d4b" providerId="LiveId" clId="{F2F99C1F-7DFD-4850-835A-88AC504601BD}" dt="2023-12-02T10:08:11.112" v="2434" actId="1076"/>
-        <pc:sldMkLst>
-          <pc:docMk/>
-          <pc:sldMk cId="1518949093" sldId="272"/>
-        </pc:sldMkLst>
-        <pc:spChg chg="mod">
-          <ac:chgData name="Scruel Tao" userId="5ea5c98d59b44d4b" providerId="LiveId" clId="{F2F99C1F-7DFD-4850-835A-88AC504601BD}" dt="2023-12-02T10:08:07.021" v="2433" actId="20577"/>
-          <ac:spMkLst>
-            <pc:docMk/>
-            <pc:sldMk cId="1518949093" sldId="272"/>
-            <ac:spMk id="3" creationId="{939F03AE-10F4-D882-D99A-D5393469A114}"/>
-          </ac:spMkLst>
-        </pc:spChg>
-        <pc:spChg chg="mod">
-          <ac:chgData name="Scruel Tao" userId="5ea5c98d59b44d4b" providerId="LiveId" clId="{F2F99C1F-7DFD-4850-835A-88AC504601BD}" dt="2023-12-02T10:08:11.112" v="2434" actId="1076"/>
-          <ac:spMkLst>
-            <pc:docMk/>
-            <pc:sldMk cId="1518949093" sldId="272"/>
-            <ac:spMk id="4" creationId="{7F9F47DD-E49D-A929-FBF6-0571BAC29FB6}"/>
-          </ac:spMkLst>
-        </pc:spChg>
-      </pc:sldChg>
-      <pc:sldChg chg="modNotesTx">
-        <pc:chgData name="Scruel Tao" userId="5ea5c98d59b44d4b" providerId="LiveId" clId="{F2F99C1F-7DFD-4850-835A-88AC504601BD}" dt="2023-12-02T10:00:52.377" v="2402" actId="20577"/>
-        <pc:sldMkLst>
-          <pc:docMk/>
-          <pc:sldMk cId="1525970791" sldId="275"/>
-        </pc:sldMkLst>
-      </pc:sldChg>
-      <pc:sldChg chg="modNotesTx">
-        <pc:chgData name="Scruel Tao" userId="5ea5c98d59b44d4b" providerId="LiveId" clId="{F2F99C1F-7DFD-4850-835A-88AC504601BD}" dt="2023-08-12T11:24:59.267" v="1191" actId="20577"/>
-        <pc:sldMkLst>
-          <pc:docMk/>
-          <pc:sldMk cId="1751565490" sldId="276"/>
-        </pc:sldMkLst>
-      </pc:sldChg>
-      <pc:sldChg chg="modSp mod">
-        <pc:chgData name="Scruel Tao" userId="5ea5c98d59b44d4b" providerId="LiveId" clId="{F2F99C1F-7DFD-4850-835A-88AC504601BD}" dt="2023-12-02T09:44:34.348" v="1804" actId="20578"/>
-        <pc:sldMkLst>
-          <pc:docMk/>
-          <pc:sldMk cId="1355169620" sldId="283"/>
-        </pc:sldMkLst>
-        <pc:spChg chg="mod">
-          <ac:chgData name="Scruel Tao" userId="5ea5c98d59b44d4b" providerId="LiveId" clId="{F2F99C1F-7DFD-4850-835A-88AC504601BD}" dt="2023-12-02T09:44:34.348" v="1804" actId="20578"/>
-          <ac:spMkLst>
-            <pc:docMk/>
-            <pc:sldMk cId="1355169620" sldId="283"/>
-            <ac:spMk id="5" creationId="{334FF01F-2A65-44F6-34F9-69AC934A31D7}"/>
-          </ac:spMkLst>
-        </pc:spChg>
-      </pc:sldChg>
-      <pc:sldChg chg="modNotesTx">
-        <pc:chgData name="Scruel Tao" userId="5ea5c98d59b44d4b" providerId="LiveId" clId="{F2F99C1F-7DFD-4850-835A-88AC504601BD}" dt="2023-08-13T17:27:47.120" v="1554" actId="20577"/>
-        <pc:sldMkLst>
-          <pc:docMk/>
-          <pc:sldMk cId="4038958788" sldId="285"/>
-        </pc:sldMkLst>
-      </pc:sldChg>
-      <pc:sldChg chg="modNotesTx">
-        <pc:chgData name="Scruel Tao" userId="5ea5c98d59b44d4b" providerId="LiveId" clId="{F2F99C1F-7DFD-4850-835A-88AC504601BD}" dt="2023-08-12T11:21:11.175" v="965" actId="20577"/>
-        <pc:sldMkLst>
-          <pc:docMk/>
-          <pc:sldMk cId="1263324175" sldId="367"/>
-        </pc:sldMkLst>
-      </pc:sldChg>
-      <pc:sldChg chg="modSp mod modNotesTx">
-        <pc:chgData name="Scruel Tao" userId="5ea5c98d59b44d4b" providerId="LiveId" clId="{F2F99C1F-7DFD-4850-835A-88AC504601BD}" dt="2023-08-12T11:23:35.249" v="1128" actId="20577"/>
-        <pc:sldMkLst>
-          <pc:docMk/>
-          <pc:sldMk cId="1718870275" sldId="369"/>
-        </pc:sldMkLst>
-        <pc:spChg chg="mod">
-          <ac:chgData name="Scruel Tao" userId="5ea5c98d59b44d4b" providerId="LiveId" clId="{F2F99C1F-7DFD-4850-835A-88AC504601BD}" dt="2023-08-12T11:23:35.249" v="1128" actId="20577"/>
-          <ac:spMkLst>
-            <pc:docMk/>
-            <pc:sldMk cId="1718870275" sldId="369"/>
-            <ac:spMk id="5" creationId="{334FF01F-2A65-44F6-34F9-69AC934A31D7}"/>
-          </ac:spMkLst>
-        </pc:spChg>
-      </pc:sldChg>
-      <pc:sldChg chg="modTransition modNotesTx">
-        <pc:chgData name="Scruel Tao" userId="5ea5c98d59b44d4b" providerId="LiveId" clId="{F2F99C1F-7DFD-4850-835A-88AC504601BD}" dt="2023-12-03T14:23:50.477" v="2435"/>
-        <pc:sldMkLst>
-          <pc:docMk/>
-          <pc:sldMk cId="2826834387" sldId="371"/>
-        </pc:sldMkLst>
-      </pc:sldChg>
-      <pc:sldChg chg="modSp mod modTransition">
-        <pc:chgData name="Scruel Tao" userId="5ea5c98d59b44d4b" providerId="LiveId" clId="{F2F99C1F-7DFD-4850-835A-88AC504601BD}" dt="2023-12-03T14:23:53.462" v="2436"/>
-        <pc:sldMkLst>
-          <pc:docMk/>
-          <pc:sldMk cId="883490720" sldId="372"/>
-        </pc:sldMkLst>
-        <pc:spChg chg="mod">
-          <ac:chgData name="Scruel Tao" userId="5ea5c98d59b44d4b" providerId="LiveId" clId="{F2F99C1F-7DFD-4850-835A-88AC504601BD}" dt="2023-08-12T11:23:40.018" v="1129" actId="20577"/>
-          <ac:spMkLst>
-            <pc:docMk/>
-            <pc:sldMk cId="883490720" sldId="372"/>
-            <ac:spMk id="5" creationId="{334FF01F-2A65-44F6-34F9-69AC934A31D7}"/>
-          </ac:spMkLst>
-        </pc:spChg>
-      </pc:sldChg>
-      <pc:sldChg chg="modTransition modNotesTx">
-        <pc:chgData name="Scruel Tao" userId="5ea5c98d59b44d4b" providerId="LiveId" clId="{F2F99C1F-7DFD-4850-835A-88AC504601BD}" dt="2023-12-03T14:24:00.175" v="2437"/>
-        <pc:sldMkLst>
-          <pc:docMk/>
-          <pc:sldMk cId="1540976929" sldId="374"/>
-        </pc:sldMkLst>
-      </pc:sldChg>
-      <pc:sldChg chg="modTransition">
-        <pc:chgData name="Scruel Tao" userId="5ea5c98d59b44d4b" providerId="LiveId" clId="{F2F99C1F-7DFD-4850-835A-88AC504601BD}" dt="2023-12-03T14:24:02.020" v="2438"/>
-        <pc:sldMkLst>
-          <pc:docMk/>
-          <pc:sldMk cId="2094629854" sldId="376"/>
-        </pc:sldMkLst>
-      </pc:sldChg>
-      <pc:sldChg chg="del">
-        <pc:chgData name="Scruel Tao" userId="5ea5c98d59b44d4b" providerId="LiveId" clId="{F2F99C1F-7DFD-4850-835A-88AC504601BD}" dt="2023-12-02T09:52:27.797" v="1957" actId="47"/>
-        <pc:sldMkLst>
-          <pc:docMk/>
-          <pc:sldMk cId="1292145" sldId="377"/>
-        </pc:sldMkLst>
-      </pc:sldChg>
-    </pc:docChg>
-  </pc:docChgLst>
 </pc:chgInfo>
 </file>
 
@@ -5071,7 +5071,7 @@
           <a:p>
             <a:fld id="{AC7E1972-C479-4420-A687-8FB83BA90DEB}" type="datetimeFigureOut">
               <a:rPr lang="zh-CN" altLang="en-US" smtClean="0"/>
-              <a:t>2024-01-05</a:t>
+              <a:t>2025/3/2 Sun</a:t>
             </a:fld>
             <a:endParaRPr lang="zh-CN" altLang="en-US"/>
           </a:p>
@@ -5248,7 +5248,7 @@
           <a:p>
             <a:fld id="{89B7AB8D-BCC0-43C6-B24C-055A25DB558F}" type="datetimeFigureOut">
               <a:rPr lang="zh-CN" altLang="en-US" smtClean="0"/>
-              <a:t>2024-01-05</a:t>
+              <a:t>2025/3/2 Sun</a:t>
             </a:fld>
             <a:endParaRPr lang="zh-CN" altLang="en-US"/>
           </a:p>
@@ -6002,7 +6002,7 @@
           <a:p>
             <a:r>
               <a:rPr lang="en-US" altLang="zh-CN" dirty="0"/>
-              <a:t>When you want to start learning the base before you start coding</a:t>
+              <a:t>When you want to start learning the base before you start coding:</a:t>
             </a:r>
             <a:endParaRPr lang="en-US" altLang="zh-CN" sz="1200" b="1" dirty="0">
               <a:solidFill>
@@ -6021,6 +6021,15 @@
               </a:rPr>
               <a:t>https://reddit.com/r/programmerhumor/comments/140nw42</a:t>
             </a:r>
+            <a:endParaRPr lang="en-US" altLang="zh-CN" dirty="0"/>
+          </a:p>
+          <a:p>
+            <a:r>
+              <a:rPr lang="en-US" altLang="zh-CN" dirty="0"/>
+              <a:t>https://www.youtube.com/watch?v=5QZcOugHQ6s</a:t>
+            </a:r>
+          </a:p>
+          <a:p>
             <a:endParaRPr lang="zh-CN" altLang="en-US" dirty="0"/>
           </a:p>
         </p:txBody>
@@ -7796,16 +7805,51 @@
             </a:r>
           </a:p>
           <a:p>
-            <a:endParaRPr lang="en-US" altLang="zh-CN" sz="1800" b="0" i="0" u="none" strike="noStrike" baseline="0" dirty="0">
-              <a:latin typeface="FZSSJW--GB1-0"/>
-            </a:endParaRPr>
-          </a:p>
-          <a:p>
             <a:r>
               <a:rPr lang="en-US" altLang="zh-CN" dirty="0"/>
               <a:t>https://docs.python.org/zh-cn/3/faq/general.html#why-is-it-called-python</a:t>
             </a:r>
-            <a:endParaRPr lang="zh-CN" altLang="en-US" dirty="0"/>
+          </a:p>
+          <a:p>
+            <a:endParaRPr lang="en-US" altLang="zh-CN" dirty="0"/>
+          </a:p>
+          <a:p>
+            <a:r>
+              <a:rPr lang="zh-CN" altLang="en-US" dirty="0"/>
+              <a:t>注：虽然 </a:t>
+            </a:r>
+            <a:r>
+              <a:rPr lang="en-US" altLang="zh-CN" dirty="0"/>
+              <a:t>Python </a:t>
+            </a:r>
+            <a:r>
+              <a:rPr lang="zh-CN" altLang="en-US" dirty="0"/>
+              <a:t>在不断更新版本，但本书所涉及的基础知识一般都是适用的，所以可以放心使用任意高版本</a:t>
+            </a:r>
+            <a:r>
+              <a:rPr lang="en-US" altLang="zh-CN" dirty="0"/>
+              <a:t>~</a:t>
+            </a:r>
+            <a:r>
+              <a:rPr lang="zh-CN" altLang="en-US" dirty="0"/>
+              <a:t>如果未来确</a:t>
+            </a:r>
+            <a:r>
+              <a:rPr lang="zh-CN" altLang="en-US"/>
+              <a:t>有遇到兼容性</a:t>
+            </a:r>
+            <a:r>
+              <a:rPr lang="zh-CN" altLang="en-US" dirty="0"/>
+              <a:t>问题，可以在 </a:t>
+            </a:r>
+            <a:r>
+              <a:rPr lang="en-US" altLang="zh-CN" dirty="0"/>
+              <a:t>GitHub </a:t>
+            </a:r>
+            <a:r>
+              <a:rPr lang="zh-CN" altLang="en-US" dirty="0"/>
+              <a:t>上向我反馈。</a:t>
+            </a:r>
           </a:p>
         </p:txBody>
       </p:sp>
@@ -8675,7 +8719,7 @@
           <a:p>
             <a:fld id="{F721228B-0167-4061-A906-8575043315EE}" type="datetimeFigureOut">
               <a:rPr lang="zh-CN" altLang="en-US" smtClean="0"/>
-              <a:t>2024-01-05</a:t>
+              <a:t>2025/3/2 Sun</a:t>
             </a:fld>
             <a:endParaRPr lang="zh-CN" altLang="en-US"/>
           </a:p>
@@ -8885,7 +8929,7 @@
           <a:p>
             <a:fld id="{F721228B-0167-4061-A906-8575043315EE}" type="datetimeFigureOut">
               <a:rPr lang="zh-CN" altLang="en-US" smtClean="0"/>
-              <a:t>2024-01-05</a:t>
+              <a:t>2025/3/2 Sun</a:t>
             </a:fld>
             <a:endParaRPr lang="zh-CN" altLang="en-US"/>
           </a:p>
@@ -9105,7 +9149,7 @@
           <a:p>
             <a:fld id="{F721228B-0167-4061-A906-8575043315EE}" type="datetimeFigureOut">
               <a:rPr lang="zh-CN" altLang="en-US" smtClean="0"/>
-              <a:t>2024-01-05</a:t>
+              <a:t>2025/3/2 Sun</a:t>
             </a:fld>
             <a:endParaRPr lang="zh-CN" altLang="en-US"/>
           </a:p>
@@ -9602,7 +9646,7 @@
           <a:p>
             <a:fld id="{F721228B-0167-4061-A906-8575043315EE}" type="datetimeFigureOut">
               <a:rPr lang="zh-CN" altLang="en-US" smtClean="0"/>
-              <a:t>2024-01-05</a:t>
+              <a:t>2025/3/2 Sun</a:t>
             </a:fld>
             <a:endParaRPr lang="zh-CN" altLang="en-US"/>
           </a:p>
@@ -9938,7 +9982,7 @@
           <a:p>
             <a:fld id="{F721228B-0167-4061-A906-8575043315EE}" type="datetimeFigureOut">
               <a:rPr lang="zh-CN" altLang="en-US" smtClean="0"/>
-              <a:t>2024-01-05</a:t>
+              <a:t>2025/3/2 Sun</a:t>
             </a:fld>
             <a:endParaRPr lang="zh-CN" altLang="en-US"/>
           </a:p>
@@ -10296,7 +10340,7 @@
           <a:p>
             <a:fld id="{F721228B-0167-4061-A906-8575043315EE}" type="datetimeFigureOut">
               <a:rPr lang="zh-CN" altLang="en-US" smtClean="0"/>
-              <a:t>2024-01-05</a:t>
+              <a:t>2025/3/2 Sun</a:t>
             </a:fld>
             <a:endParaRPr lang="zh-CN" altLang="en-US"/>
           </a:p>
@@ -10769,7 +10813,7 @@
           <a:p>
             <a:fld id="{F721228B-0167-4061-A906-8575043315EE}" type="datetimeFigureOut">
               <a:rPr lang="zh-CN" altLang="en-US" smtClean="0"/>
-              <a:t>2024-01-05</a:t>
+              <a:t>2025/3/2 Sun</a:t>
             </a:fld>
             <a:endParaRPr lang="zh-CN" altLang="en-US"/>
           </a:p>
@@ -10922,7 +10966,7 @@
           <a:p>
             <a:fld id="{F721228B-0167-4061-A906-8575043315EE}" type="datetimeFigureOut">
               <a:rPr lang="zh-CN" altLang="en-US" smtClean="0"/>
-              <a:t>2024-01-05</a:t>
+              <a:t>2025/3/2 Sun</a:t>
             </a:fld>
             <a:endParaRPr lang="zh-CN" altLang="en-US"/>
           </a:p>
@@ -11047,7 +11091,7 @@
           <a:p>
             <a:fld id="{F721228B-0167-4061-A906-8575043315EE}" type="datetimeFigureOut">
               <a:rPr lang="zh-CN" altLang="en-US" smtClean="0"/>
-              <a:t>2024-01-05</a:t>
+              <a:t>2025/3/2 Sun</a:t>
             </a:fld>
             <a:endParaRPr lang="zh-CN" altLang="en-US"/>
           </a:p>
@@ -11370,7 +11414,7 @@
           <a:p>
             <a:fld id="{F721228B-0167-4061-A906-8575043315EE}" type="datetimeFigureOut">
               <a:rPr lang="zh-CN" altLang="en-US" smtClean="0"/>
-              <a:t>2024-01-05</a:t>
+              <a:t>2025/3/2 Sun</a:t>
             </a:fld>
             <a:endParaRPr lang="zh-CN" altLang="en-US"/>
           </a:p>
@@ -11670,7 +11714,7 @@
           <a:p>
             <a:fld id="{F721228B-0167-4061-A906-8575043315EE}" type="datetimeFigureOut">
               <a:rPr lang="zh-CN" altLang="en-US" smtClean="0"/>
-              <a:t>2024-01-05</a:t>
+              <a:t>2025/3/2 Sun</a:t>
             </a:fld>
             <a:endParaRPr lang="zh-CN" altLang="en-US"/>
           </a:p>
@@ -11923,7 +11967,7 @@
           <a:p>
             <a:fld id="{F721228B-0167-4061-A906-8575043315EE}" type="datetimeFigureOut">
               <a:rPr lang="zh-CN" altLang="en-US" smtClean="0"/>
-              <a:t>2024-01-05</a:t>
+              <a:t>2025/3/2 Sun</a:t>
             </a:fld>
             <a:endParaRPr lang="zh-CN" altLang="en-US"/>
           </a:p>
@@ -15297,6 +15341,18 @@
           <a:p>
             <a:pPr algn="ctr"/>
             <a:r>
+              <a:rPr lang="zh-CN" altLang="en-US" sz="2000" b="1" u="sng" dirty="0">
+                <a:solidFill>
+                  <a:schemeClr val="accent1">
+                    <a:lumMod val="75000"/>
+                  </a:schemeClr>
+                </a:solidFill>
+                <a:latin typeface="微软雅黑" panose="020B0503020204020204" pitchFamily="34" charset="-122"/>
+                <a:ea typeface="微软雅黑" panose="020B0503020204020204" pitchFamily="34" charset="-122"/>
+              </a:rPr>
+              <a:t>也就长达四个半小时</a:t>
+            </a:r>
+            <a:r>
               <a:rPr lang="zh-CN" altLang="en-US" sz="2000" b="1" dirty="0">
                 <a:solidFill>
                   <a:schemeClr val="accent1">
@@ -15306,7 +15362,7 @@
                 <a:latin typeface="微软雅黑" panose="020B0503020204020204" pitchFamily="34" charset="-122"/>
                 <a:ea typeface="微软雅黑" panose="020B0503020204020204" pitchFamily="34" charset="-122"/>
               </a:rPr>
-              <a:t>也就长达四个半小时，所以编程没有什么难的 </a:t>
+              <a:t>，所以编程没有什么难的 </a:t>
             </a:r>
             <a:r>
               <a:rPr lang="en-US" altLang="zh-CN" sz="2000" b="1" dirty="0">
@@ -23950,7 +24006,7 @@
         </p:spPr>
         <p:txBody>
           <a:bodyPr>
-            <a:normAutofit/>
+            <a:normAutofit fontScale="92500"/>
           </a:bodyPr>
           <a:lstStyle/>
           <a:p>
@@ -24000,7 +24056,7 @@
                 </a:solidFill>
                 <a:latin typeface="Consolas" panose="020B0609020204030204" pitchFamily="49" charset="0"/>
               </a:rPr>
-              <a:t>Python 3.11</a:t>
+              <a:t>Python 3.11+</a:t>
             </a:r>
             <a:r>
               <a:rPr lang="zh-CN" altLang="en-US" dirty="0">
@@ -24069,7 +24125,17 @@
                   </a:schemeClr>
                 </a:solidFill>
               </a:rPr>
-              <a:t>书中使用 </a:t>
+              <a:t>书及讲义中的代码，均使用 </a:t>
+            </a:r>
+            <a:r>
+              <a:rPr lang="en-US" altLang="zh-CN" b="1" dirty="0">
+                <a:solidFill>
+                  <a:schemeClr val="accent1">
+                    <a:lumMod val="50000"/>
+                  </a:schemeClr>
+                </a:solidFill>
+              </a:rPr>
+              <a:t>Python </a:t>
             </a:r>
             <a:r>
               <a:rPr lang="en-US" altLang="zh-CN" b="1" dirty="0">
@@ -24080,7 +24146,7 @@
                 </a:solidFill>
                 <a:latin typeface="Consolas" panose="020B0609020204030204" pitchFamily="49" charset="0"/>
               </a:rPr>
-              <a:t>3.11</a:t>
+              <a:t>3.11+</a:t>
             </a:r>
             <a:r>
               <a:rPr lang="en-US" altLang="zh-CN" b="1" dirty="0">
@@ -24100,7 +24166,7 @@
                   </a:schemeClr>
                 </a:solidFill>
               </a:rPr>
-              <a:t>版本运行代码</a:t>
+              <a:t>版本运行。</a:t>
             </a:r>
             <a:endParaRPr lang="en-US" altLang="zh-CN" b="1" dirty="0">
               <a:solidFill>
